--- a/ppt 16-9/0334.举行圣餐.pptx
+++ b/ppt 16-9/0334.举行圣餐.pptx
@@ -5,7 +5,7 @@
     <p:sldMasterId id="2147483648" r:id="rId1"/>
   </p:sldMasterIdLst>
   <p:sldIdLst>
-    <p:sldId id="3229" r:id="rId2"/>
+    <p:sldId id="3231" r:id="rId2"/>
   </p:sldIdLst>
   <p:sldSz cx="12192000" cy="6858000"/>
   <p:notesSz cx="6858000" cy="9144000"/>
@@ -129,7 +129,7 @@
           <p:cNvPr id="2" name="标题 1">
             <a:extLst>
               <a:ext uri="{FF2B5EF4-FFF2-40B4-BE49-F238E27FC236}">
-                <a16:creationId xmlns:a16="http://schemas.microsoft.com/office/drawing/2014/main" id="{1A7513B4-0692-CB20-148A-F28AFA35E472}"/>
+                <a16:creationId xmlns:a16="http://schemas.microsoft.com/office/drawing/2014/main" id="{BABDEA2E-5310-01F9-D32A-C2AA8979A277}"/>
               </a:ext>
             </a:extLst>
           </p:cNvPr>
@@ -166,7 +166,7 @@
           <p:cNvPr id="3" name="副标题 2">
             <a:extLst>
               <a:ext uri="{FF2B5EF4-FFF2-40B4-BE49-F238E27FC236}">
-                <a16:creationId xmlns:a16="http://schemas.microsoft.com/office/drawing/2014/main" id="{8E2FD288-FFB3-DDAF-53E0-880ED7B366D7}"/>
+                <a16:creationId xmlns:a16="http://schemas.microsoft.com/office/drawing/2014/main" id="{30EA1A22-E2F8-E318-B3E9-90CB645498A7}"/>
               </a:ext>
             </a:extLst>
           </p:cNvPr>
@@ -236,7 +236,7 @@
           <p:cNvPr id="4" name="日期占位符 3">
             <a:extLst>
               <a:ext uri="{FF2B5EF4-FFF2-40B4-BE49-F238E27FC236}">
-                <a16:creationId xmlns:a16="http://schemas.microsoft.com/office/drawing/2014/main" id="{D5E29FA0-A24F-D6FB-07FA-EB347FD93AC4}"/>
+                <a16:creationId xmlns:a16="http://schemas.microsoft.com/office/drawing/2014/main" id="{C19E3A1A-215E-672B-ED17-A350F8314FB7}"/>
               </a:ext>
             </a:extLst>
           </p:cNvPr>
@@ -252,7 +252,7 @@
           <a:bodyPr/>
           <a:lstStyle/>
           <a:p>
-            <a:fld id="{909A41F9-BC51-439F-93D5-02994B832429}" type="datetimeFigureOut">
+            <a:fld id="{1DFD92EB-FD8C-47C2-904C-83F95A383116}" type="datetimeFigureOut">
               <a:rPr lang="zh-CN" altLang="en-US" smtClean="0"/>
               <a:t>2024/3/10</a:t>
             </a:fld>
@@ -265,7 +265,7 @@
           <p:cNvPr id="5" name="页脚占位符 4">
             <a:extLst>
               <a:ext uri="{FF2B5EF4-FFF2-40B4-BE49-F238E27FC236}">
-                <a16:creationId xmlns:a16="http://schemas.microsoft.com/office/drawing/2014/main" id="{B337A45D-E1AC-4987-03BD-8881CFB36793}"/>
+                <a16:creationId xmlns:a16="http://schemas.microsoft.com/office/drawing/2014/main" id="{D92386F2-D451-51E2-75EE-B1C844248E1F}"/>
               </a:ext>
             </a:extLst>
           </p:cNvPr>
@@ -290,7 +290,7 @@
           <p:cNvPr id="6" name="灯片编号占位符 5">
             <a:extLst>
               <a:ext uri="{FF2B5EF4-FFF2-40B4-BE49-F238E27FC236}">
-                <a16:creationId xmlns:a16="http://schemas.microsoft.com/office/drawing/2014/main" id="{03EB48DB-0660-2C9E-8FE0-2F1589FE9965}"/>
+                <a16:creationId xmlns:a16="http://schemas.microsoft.com/office/drawing/2014/main" id="{7677291C-51DC-AB15-046E-FBC71E9B0D5C}"/>
               </a:ext>
             </a:extLst>
           </p:cNvPr>
@@ -306,7 +306,7 @@
           <a:bodyPr/>
           <a:lstStyle/>
           <a:p>
-            <a:fld id="{1A9D4EA9-4EA0-4C6D-992A-7BF50E03179C}" type="slidenum">
+            <a:fld id="{BBC81BDF-D107-46DF-BE08-E0510082D1A4}" type="slidenum">
               <a:rPr lang="zh-CN" altLang="en-US" smtClean="0"/>
               <a:t>‹#›</a:t>
             </a:fld>
@@ -317,7 +317,7 @@
     </p:spTree>
     <p:extLst>
       <p:ext uri="{BB962C8B-B14F-4D97-AF65-F5344CB8AC3E}">
-        <p14:creationId xmlns:p14="http://schemas.microsoft.com/office/powerpoint/2010/main" val="1629956668"/>
+        <p14:creationId xmlns:p14="http://schemas.microsoft.com/office/powerpoint/2010/main" val="1987014615"/>
       </p:ext>
     </p:extLst>
   </p:cSld>
@@ -349,7 +349,7 @@
           <p:cNvPr id="2" name="标题 1">
             <a:extLst>
               <a:ext uri="{FF2B5EF4-FFF2-40B4-BE49-F238E27FC236}">
-                <a16:creationId xmlns:a16="http://schemas.microsoft.com/office/drawing/2014/main" id="{00AA1EDC-A0C9-9B1B-2237-ABE633563CE9}"/>
+                <a16:creationId xmlns:a16="http://schemas.microsoft.com/office/drawing/2014/main" id="{DB752704-F5AA-B07E-102C-75BE47E767CB}"/>
               </a:ext>
             </a:extLst>
           </p:cNvPr>
@@ -377,7 +377,7 @@
           <p:cNvPr id="3" name="竖排文字占位符 2">
             <a:extLst>
               <a:ext uri="{FF2B5EF4-FFF2-40B4-BE49-F238E27FC236}">
-                <a16:creationId xmlns:a16="http://schemas.microsoft.com/office/drawing/2014/main" id="{ABEEACDD-931D-CD7F-ACAC-B427632B5B74}"/>
+                <a16:creationId xmlns:a16="http://schemas.microsoft.com/office/drawing/2014/main" id="{70A5C703-436B-6758-A7B9-8A0ABD51E9B8}"/>
               </a:ext>
             </a:extLst>
           </p:cNvPr>
@@ -434,7 +434,7 @@
           <p:cNvPr id="4" name="日期占位符 3">
             <a:extLst>
               <a:ext uri="{FF2B5EF4-FFF2-40B4-BE49-F238E27FC236}">
-                <a16:creationId xmlns:a16="http://schemas.microsoft.com/office/drawing/2014/main" id="{1BDCD9FB-11B7-A46A-3B16-BB3CA7FD5423}"/>
+                <a16:creationId xmlns:a16="http://schemas.microsoft.com/office/drawing/2014/main" id="{C474699F-0E4E-A49A-B9C9-F867CB48580C}"/>
               </a:ext>
             </a:extLst>
           </p:cNvPr>
@@ -450,7 +450,7 @@
           <a:bodyPr/>
           <a:lstStyle/>
           <a:p>
-            <a:fld id="{909A41F9-BC51-439F-93D5-02994B832429}" type="datetimeFigureOut">
+            <a:fld id="{1DFD92EB-FD8C-47C2-904C-83F95A383116}" type="datetimeFigureOut">
               <a:rPr lang="zh-CN" altLang="en-US" smtClean="0"/>
               <a:t>2024/3/10</a:t>
             </a:fld>
@@ -463,7 +463,7 @@
           <p:cNvPr id="5" name="页脚占位符 4">
             <a:extLst>
               <a:ext uri="{FF2B5EF4-FFF2-40B4-BE49-F238E27FC236}">
-                <a16:creationId xmlns:a16="http://schemas.microsoft.com/office/drawing/2014/main" id="{3DAA3D95-CF0E-2FDB-299C-99EC756FF20D}"/>
+                <a16:creationId xmlns:a16="http://schemas.microsoft.com/office/drawing/2014/main" id="{C2894D60-EABE-3B71-2686-2D6F7B9A36F8}"/>
               </a:ext>
             </a:extLst>
           </p:cNvPr>
@@ -488,7 +488,7 @@
           <p:cNvPr id="6" name="灯片编号占位符 5">
             <a:extLst>
               <a:ext uri="{FF2B5EF4-FFF2-40B4-BE49-F238E27FC236}">
-                <a16:creationId xmlns:a16="http://schemas.microsoft.com/office/drawing/2014/main" id="{619B883B-9F13-9A79-C505-D79AFD0ACE01}"/>
+                <a16:creationId xmlns:a16="http://schemas.microsoft.com/office/drawing/2014/main" id="{E9128272-A41E-8ED1-1B03-9D4CF8A63E30}"/>
               </a:ext>
             </a:extLst>
           </p:cNvPr>
@@ -504,7 +504,7 @@
           <a:bodyPr/>
           <a:lstStyle/>
           <a:p>
-            <a:fld id="{1A9D4EA9-4EA0-4C6D-992A-7BF50E03179C}" type="slidenum">
+            <a:fld id="{BBC81BDF-D107-46DF-BE08-E0510082D1A4}" type="slidenum">
               <a:rPr lang="zh-CN" altLang="en-US" smtClean="0"/>
               <a:t>‹#›</a:t>
             </a:fld>
@@ -515,7 +515,7 @@
     </p:spTree>
     <p:extLst>
       <p:ext uri="{BB962C8B-B14F-4D97-AF65-F5344CB8AC3E}">
-        <p14:creationId xmlns:p14="http://schemas.microsoft.com/office/powerpoint/2010/main" val="4290171588"/>
+        <p14:creationId xmlns:p14="http://schemas.microsoft.com/office/powerpoint/2010/main" val="685433411"/>
       </p:ext>
     </p:extLst>
   </p:cSld>
@@ -547,7 +547,7 @@
           <p:cNvPr id="2" name="竖排标题 1">
             <a:extLst>
               <a:ext uri="{FF2B5EF4-FFF2-40B4-BE49-F238E27FC236}">
-                <a16:creationId xmlns:a16="http://schemas.microsoft.com/office/drawing/2014/main" id="{BFE0E285-76C5-33E6-C969-0A70203F8218}"/>
+                <a16:creationId xmlns:a16="http://schemas.microsoft.com/office/drawing/2014/main" id="{44359575-BAA4-F5BD-A8BB-7CE87154B60F}"/>
               </a:ext>
             </a:extLst>
           </p:cNvPr>
@@ -580,7 +580,7 @@
           <p:cNvPr id="3" name="竖排文字占位符 2">
             <a:extLst>
               <a:ext uri="{FF2B5EF4-FFF2-40B4-BE49-F238E27FC236}">
-                <a16:creationId xmlns:a16="http://schemas.microsoft.com/office/drawing/2014/main" id="{238A2467-D570-752A-4B5B-9673EC2B124B}"/>
+                <a16:creationId xmlns:a16="http://schemas.microsoft.com/office/drawing/2014/main" id="{03124F27-7708-CD90-D8DA-F355BDFA15B1}"/>
               </a:ext>
             </a:extLst>
           </p:cNvPr>
@@ -642,7 +642,7 @@
           <p:cNvPr id="4" name="日期占位符 3">
             <a:extLst>
               <a:ext uri="{FF2B5EF4-FFF2-40B4-BE49-F238E27FC236}">
-                <a16:creationId xmlns:a16="http://schemas.microsoft.com/office/drawing/2014/main" id="{4E14E48A-074B-6FF9-67CC-D0032B970534}"/>
+                <a16:creationId xmlns:a16="http://schemas.microsoft.com/office/drawing/2014/main" id="{AEEB06E0-C639-CF4B-FE16-E368F44B36D1}"/>
               </a:ext>
             </a:extLst>
           </p:cNvPr>
@@ -658,7 +658,7 @@
           <a:bodyPr/>
           <a:lstStyle/>
           <a:p>
-            <a:fld id="{909A41F9-BC51-439F-93D5-02994B832429}" type="datetimeFigureOut">
+            <a:fld id="{1DFD92EB-FD8C-47C2-904C-83F95A383116}" type="datetimeFigureOut">
               <a:rPr lang="zh-CN" altLang="en-US" smtClean="0"/>
               <a:t>2024/3/10</a:t>
             </a:fld>
@@ -671,7 +671,7 @@
           <p:cNvPr id="5" name="页脚占位符 4">
             <a:extLst>
               <a:ext uri="{FF2B5EF4-FFF2-40B4-BE49-F238E27FC236}">
-                <a16:creationId xmlns:a16="http://schemas.microsoft.com/office/drawing/2014/main" id="{9B9DE148-4F29-0CFA-2119-F5359F5BCE81}"/>
+                <a16:creationId xmlns:a16="http://schemas.microsoft.com/office/drawing/2014/main" id="{0478E10D-8A73-D04F-3CB0-AFE60E962E41}"/>
               </a:ext>
             </a:extLst>
           </p:cNvPr>
@@ -696,7 +696,7 @@
           <p:cNvPr id="6" name="灯片编号占位符 5">
             <a:extLst>
               <a:ext uri="{FF2B5EF4-FFF2-40B4-BE49-F238E27FC236}">
-                <a16:creationId xmlns:a16="http://schemas.microsoft.com/office/drawing/2014/main" id="{51EE4E03-107F-084F-CC72-A539DF66D88A}"/>
+                <a16:creationId xmlns:a16="http://schemas.microsoft.com/office/drawing/2014/main" id="{CE3E340E-7EA7-4866-D6EE-DD86044CAAEC}"/>
               </a:ext>
             </a:extLst>
           </p:cNvPr>
@@ -712,7 +712,7 @@
           <a:bodyPr/>
           <a:lstStyle/>
           <a:p>
-            <a:fld id="{1A9D4EA9-4EA0-4C6D-992A-7BF50E03179C}" type="slidenum">
+            <a:fld id="{BBC81BDF-D107-46DF-BE08-E0510082D1A4}" type="slidenum">
               <a:rPr lang="zh-CN" altLang="en-US" smtClean="0"/>
               <a:t>‹#›</a:t>
             </a:fld>
@@ -723,7 +723,7 @@
     </p:spTree>
     <p:extLst>
       <p:ext uri="{BB962C8B-B14F-4D97-AF65-F5344CB8AC3E}">
-        <p14:creationId xmlns:p14="http://schemas.microsoft.com/office/powerpoint/2010/main" val="346267913"/>
+        <p14:creationId xmlns:p14="http://schemas.microsoft.com/office/powerpoint/2010/main" val="250377214"/>
       </p:ext>
     </p:extLst>
   </p:cSld>
@@ -755,7 +755,7 @@
           <p:cNvPr id="2" name="标题 1">
             <a:extLst>
               <a:ext uri="{FF2B5EF4-FFF2-40B4-BE49-F238E27FC236}">
-                <a16:creationId xmlns:a16="http://schemas.microsoft.com/office/drawing/2014/main" id="{3267A0FC-C8ED-A46D-74E4-EA4ED954B3AA}"/>
+                <a16:creationId xmlns:a16="http://schemas.microsoft.com/office/drawing/2014/main" id="{F775D4F8-81E5-801C-57F5-58DD189993C3}"/>
               </a:ext>
             </a:extLst>
           </p:cNvPr>
@@ -783,7 +783,7 @@
           <p:cNvPr id="3" name="内容占位符 2">
             <a:extLst>
               <a:ext uri="{FF2B5EF4-FFF2-40B4-BE49-F238E27FC236}">
-                <a16:creationId xmlns:a16="http://schemas.microsoft.com/office/drawing/2014/main" id="{36DE81C7-5828-B1BA-190E-8F9FD051572B}"/>
+                <a16:creationId xmlns:a16="http://schemas.microsoft.com/office/drawing/2014/main" id="{D1549AF5-371A-2FEF-8510-E54464EE9485}"/>
               </a:ext>
             </a:extLst>
           </p:cNvPr>
@@ -840,7 +840,7 @@
           <p:cNvPr id="4" name="日期占位符 3">
             <a:extLst>
               <a:ext uri="{FF2B5EF4-FFF2-40B4-BE49-F238E27FC236}">
-                <a16:creationId xmlns:a16="http://schemas.microsoft.com/office/drawing/2014/main" id="{DD9C360A-2A26-0241-D564-8446CDC3E41E}"/>
+                <a16:creationId xmlns:a16="http://schemas.microsoft.com/office/drawing/2014/main" id="{8F151C01-5F6C-9723-7D88-218CA916EF68}"/>
               </a:ext>
             </a:extLst>
           </p:cNvPr>
@@ -856,7 +856,7 @@
           <a:bodyPr/>
           <a:lstStyle/>
           <a:p>
-            <a:fld id="{909A41F9-BC51-439F-93D5-02994B832429}" type="datetimeFigureOut">
+            <a:fld id="{1DFD92EB-FD8C-47C2-904C-83F95A383116}" type="datetimeFigureOut">
               <a:rPr lang="zh-CN" altLang="en-US" smtClean="0"/>
               <a:t>2024/3/10</a:t>
             </a:fld>
@@ -869,7 +869,7 @@
           <p:cNvPr id="5" name="页脚占位符 4">
             <a:extLst>
               <a:ext uri="{FF2B5EF4-FFF2-40B4-BE49-F238E27FC236}">
-                <a16:creationId xmlns:a16="http://schemas.microsoft.com/office/drawing/2014/main" id="{652BF547-E4BA-1780-5C7B-F6EED4EE6B97}"/>
+                <a16:creationId xmlns:a16="http://schemas.microsoft.com/office/drawing/2014/main" id="{F741AA88-472C-A74A-C134-A5FDA0A9B968}"/>
               </a:ext>
             </a:extLst>
           </p:cNvPr>
@@ -894,7 +894,7 @@
           <p:cNvPr id="6" name="灯片编号占位符 5">
             <a:extLst>
               <a:ext uri="{FF2B5EF4-FFF2-40B4-BE49-F238E27FC236}">
-                <a16:creationId xmlns:a16="http://schemas.microsoft.com/office/drawing/2014/main" id="{75ACF85F-E1AD-F71E-C7C1-30CF6D144E3C}"/>
+                <a16:creationId xmlns:a16="http://schemas.microsoft.com/office/drawing/2014/main" id="{4B9FDEC6-4A2A-630C-B553-93612B696F00}"/>
               </a:ext>
             </a:extLst>
           </p:cNvPr>
@@ -910,7 +910,7 @@
           <a:bodyPr/>
           <a:lstStyle/>
           <a:p>
-            <a:fld id="{1A9D4EA9-4EA0-4C6D-992A-7BF50E03179C}" type="slidenum">
+            <a:fld id="{BBC81BDF-D107-46DF-BE08-E0510082D1A4}" type="slidenum">
               <a:rPr lang="zh-CN" altLang="en-US" smtClean="0"/>
               <a:t>‹#›</a:t>
             </a:fld>
@@ -921,7 +921,7 @@
     </p:spTree>
     <p:extLst>
       <p:ext uri="{BB962C8B-B14F-4D97-AF65-F5344CB8AC3E}">
-        <p14:creationId xmlns:p14="http://schemas.microsoft.com/office/powerpoint/2010/main" val="1470518450"/>
+        <p14:creationId xmlns:p14="http://schemas.microsoft.com/office/powerpoint/2010/main" val="1775522691"/>
       </p:ext>
     </p:extLst>
   </p:cSld>
@@ -953,7 +953,7 @@
           <p:cNvPr id="2" name="标题 1">
             <a:extLst>
               <a:ext uri="{FF2B5EF4-FFF2-40B4-BE49-F238E27FC236}">
-                <a16:creationId xmlns:a16="http://schemas.microsoft.com/office/drawing/2014/main" id="{D32695DE-79FE-524D-F3DC-D4E9CA11DF67}"/>
+                <a16:creationId xmlns:a16="http://schemas.microsoft.com/office/drawing/2014/main" id="{D9DC16F9-9ED9-FAC1-1556-53A784A118CC}"/>
               </a:ext>
             </a:extLst>
           </p:cNvPr>
@@ -990,7 +990,7 @@
           <p:cNvPr id="3" name="文本占位符 2">
             <a:extLst>
               <a:ext uri="{FF2B5EF4-FFF2-40B4-BE49-F238E27FC236}">
-                <a16:creationId xmlns:a16="http://schemas.microsoft.com/office/drawing/2014/main" id="{CE8458B0-D068-798D-B113-FD83DE961E60}"/>
+                <a16:creationId xmlns:a16="http://schemas.microsoft.com/office/drawing/2014/main" id="{985AD0BF-7B6C-C672-5906-CCAF06261943}"/>
               </a:ext>
             </a:extLst>
           </p:cNvPr>
@@ -1115,7 +1115,7 @@
           <p:cNvPr id="4" name="日期占位符 3">
             <a:extLst>
               <a:ext uri="{FF2B5EF4-FFF2-40B4-BE49-F238E27FC236}">
-                <a16:creationId xmlns:a16="http://schemas.microsoft.com/office/drawing/2014/main" id="{53171FCD-BA2D-610B-9DA7-0CD2731BC226}"/>
+                <a16:creationId xmlns:a16="http://schemas.microsoft.com/office/drawing/2014/main" id="{E9A41B27-51BA-0CD6-F0DC-61F9E135F808}"/>
               </a:ext>
             </a:extLst>
           </p:cNvPr>
@@ -1131,7 +1131,7 @@
           <a:bodyPr/>
           <a:lstStyle/>
           <a:p>
-            <a:fld id="{909A41F9-BC51-439F-93D5-02994B832429}" type="datetimeFigureOut">
+            <a:fld id="{1DFD92EB-FD8C-47C2-904C-83F95A383116}" type="datetimeFigureOut">
               <a:rPr lang="zh-CN" altLang="en-US" smtClean="0"/>
               <a:t>2024/3/10</a:t>
             </a:fld>
@@ -1144,7 +1144,7 @@
           <p:cNvPr id="5" name="页脚占位符 4">
             <a:extLst>
               <a:ext uri="{FF2B5EF4-FFF2-40B4-BE49-F238E27FC236}">
-                <a16:creationId xmlns:a16="http://schemas.microsoft.com/office/drawing/2014/main" id="{C1BD46C0-B31E-5557-1161-E4BCF4374DA6}"/>
+                <a16:creationId xmlns:a16="http://schemas.microsoft.com/office/drawing/2014/main" id="{B43843C3-8832-E929-96E1-460CD4714B4C}"/>
               </a:ext>
             </a:extLst>
           </p:cNvPr>
@@ -1169,7 +1169,7 @@
           <p:cNvPr id="6" name="灯片编号占位符 5">
             <a:extLst>
               <a:ext uri="{FF2B5EF4-FFF2-40B4-BE49-F238E27FC236}">
-                <a16:creationId xmlns:a16="http://schemas.microsoft.com/office/drawing/2014/main" id="{5278CD24-7AB7-304E-0B9A-85C15EED8E65}"/>
+                <a16:creationId xmlns:a16="http://schemas.microsoft.com/office/drawing/2014/main" id="{E8250657-1FFF-60EF-29FF-EE2CADA5292D}"/>
               </a:ext>
             </a:extLst>
           </p:cNvPr>
@@ -1185,7 +1185,7 @@
           <a:bodyPr/>
           <a:lstStyle/>
           <a:p>
-            <a:fld id="{1A9D4EA9-4EA0-4C6D-992A-7BF50E03179C}" type="slidenum">
+            <a:fld id="{BBC81BDF-D107-46DF-BE08-E0510082D1A4}" type="slidenum">
               <a:rPr lang="zh-CN" altLang="en-US" smtClean="0"/>
               <a:t>‹#›</a:t>
             </a:fld>
@@ -1196,7 +1196,7 @@
     </p:spTree>
     <p:extLst>
       <p:ext uri="{BB962C8B-B14F-4D97-AF65-F5344CB8AC3E}">
-        <p14:creationId xmlns:p14="http://schemas.microsoft.com/office/powerpoint/2010/main" val="2201016973"/>
+        <p14:creationId xmlns:p14="http://schemas.microsoft.com/office/powerpoint/2010/main" val="1096289943"/>
       </p:ext>
     </p:extLst>
   </p:cSld>
@@ -1228,7 +1228,7 @@
           <p:cNvPr id="2" name="标题 1">
             <a:extLst>
               <a:ext uri="{FF2B5EF4-FFF2-40B4-BE49-F238E27FC236}">
-                <a16:creationId xmlns:a16="http://schemas.microsoft.com/office/drawing/2014/main" id="{C1866267-7A6C-CB9B-47D7-8AC007E2D7F8}"/>
+                <a16:creationId xmlns:a16="http://schemas.microsoft.com/office/drawing/2014/main" id="{FBB67D3E-2355-377A-47BC-6BD828138776}"/>
               </a:ext>
             </a:extLst>
           </p:cNvPr>
@@ -1256,7 +1256,7 @@
           <p:cNvPr id="3" name="内容占位符 2">
             <a:extLst>
               <a:ext uri="{FF2B5EF4-FFF2-40B4-BE49-F238E27FC236}">
-                <a16:creationId xmlns:a16="http://schemas.microsoft.com/office/drawing/2014/main" id="{1EC6A31E-F81B-06C4-15DF-29155290ADFA}"/>
+                <a16:creationId xmlns:a16="http://schemas.microsoft.com/office/drawing/2014/main" id="{B0A134B9-953D-6825-A2CB-BD5EFB22D0DF}"/>
               </a:ext>
             </a:extLst>
           </p:cNvPr>
@@ -1318,7 +1318,7 @@
           <p:cNvPr id="4" name="内容占位符 3">
             <a:extLst>
               <a:ext uri="{FF2B5EF4-FFF2-40B4-BE49-F238E27FC236}">
-                <a16:creationId xmlns:a16="http://schemas.microsoft.com/office/drawing/2014/main" id="{5C582B28-835D-BBA1-84B9-9DBA2713CE3C}"/>
+                <a16:creationId xmlns:a16="http://schemas.microsoft.com/office/drawing/2014/main" id="{1B8A6A85-ABB8-EB85-5352-340D281376E4}"/>
               </a:ext>
             </a:extLst>
           </p:cNvPr>
@@ -1380,7 +1380,7 @@
           <p:cNvPr id="5" name="日期占位符 4">
             <a:extLst>
               <a:ext uri="{FF2B5EF4-FFF2-40B4-BE49-F238E27FC236}">
-                <a16:creationId xmlns:a16="http://schemas.microsoft.com/office/drawing/2014/main" id="{5DE999B4-C82B-927F-C303-9F46A319E662}"/>
+                <a16:creationId xmlns:a16="http://schemas.microsoft.com/office/drawing/2014/main" id="{EF04890E-B9A1-C8B3-09DE-3A31F1F1D963}"/>
               </a:ext>
             </a:extLst>
           </p:cNvPr>
@@ -1396,7 +1396,7 @@
           <a:bodyPr/>
           <a:lstStyle/>
           <a:p>
-            <a:fld id="{909A41F9-BC51-439F-93D5-02994B832429}" type="datetimeFigureOut">
+            <a:fld id="{1DFD92EB-FD8C-47C2-904C-83F95A383116}" type="datetimeFigureOut">
               <a:rPr lang="zh-CN" altLang="en-US" smtClean="0"/>
               <a:t>2024/3/10</a:t>
             </a:fld>
@@ -1409,7 +1409,7 @@
           <p:cNvPr id="6" name="页脚占位符 5">
             <a:extLst>
               <a:ext uri="{FF2B5EF4-FFF2-40B4-BE49-F238E27FC236}">
-                <a16:creationId xmlns:a16="http://schemas.microsoft.com/office/drawing/2014/main" id="{42006423-D685-922C-7AF0-DE78681FB646}"/>
+                <a16:creationId xmlns:a16="http://schemas.microsoft.com/office/drawing/2014/main" id="{CBAFE395-EFC9-9B5E-78CA-65A3647F7BB0}"/>
               </a:ext>
             </a:extLst>
           </p:cNvPr>
@@ -1434,7 +1434,7 @@
           <p:cNvPr id="7" name="灯片编号占位符 6">
             <a:extLst>
               <a:ext uri="{FF2B5EF4-FFF2-40B4-BE49-F238E27FC236}">
-                <a16:creationId xmlns:a16="http://schemas.microsoft.com/office/drawing/2014/main" id="{DE9499AB-22D3-B6E9-406D-89A7B67774E2}"/>
+                <a16:creationId xmlns:a16="http://schemas.microsoft.com/office/drawing/2014/main" id="{992D575D-1E98-7F08-4C78-6254A36D8172}"/>
               </a:ext>
             </a:extLst>
           </p:cNvPr>
@@ -1450,7 +1450,7 @@
           <a:bodyPr/>
           <a:lstStyle/>
           <a:p>
-            <a:fld id="{1A9D4EA9-4EA0-4C6D-992A-7BF50E03179C}" type="slidenum">
+            <a:fld id="{BBC81BDF-D107-46DF-BE08-E0510082D1A4}" type="slidenum">
               <a:rPr lang="zh-CN" altLang="en-US" smtClean="0"/>
               <a:t>‹#›</a:t>
             </a:fld>
@@ -1461,7 +1461,7 @@
     </p:spTree>
     <p:extLst>
       <p:ext uri="{BB962C8B-B14F-4D97-AF65-F5344CB8AC3E}">
-        <p14:creationId xmlns:p14="http://schemas.microsoft.com/office/powerpoint/2010/main" val="3446644717"/>
+        <p14:creationId xmlns:p14="http://schemas.microsoft.com/office/powerpoint/2010/main" val="2911337099"/>
       </p:ext>
     </p:extLst>
   </p:cSld>
@@ -1493,7 +1493,7 @@
           <p:cNvPr id="2" name="标题 1">
             <a:extLst>
               <a:ext uri="{FF2B5EF4-FFF2-40B4-BE49-F238E27FC236}">
-                <a16:creationId xmlns:a16="http://schemas.microsoft.com/office/drawing/2014/main" id="{53E6C91D-6696-E509-276E-A98A99E4A16B}"/>
+                <a16:creationId xmlns:a16="http://schemas.microsoft.com/office/drawing/2014/main" id="{688F44C6-1EA7-E8DA-C581-E83E95C7C9ED}"/>
               </a:ext>
             </a:extLst>
           </p:cNvPr>
@@ -1526,7 +1526,7 @@
           <p:cNvPr id="3" name="文本占位符 2">
             <a:extLst>
               <a:ext uri="{FF2B5EF4-FFF2-40B4-BE49-F238E27FC236}">
-                <a16:creationId xmlns:a16="http://schemas.microsoft.com/office/drawing/2014/main" id="{0EE3DC7A-DD98-5856-AF64-ABA71C30F7D5}"/>
+                <a16:creationId xmlns:a16="http://schemas.microsoft.com/office/drawing/2014/main" id="{EA5081F6-831C-CF5E-77FB-466AE027FBED}"/>
               </a:ext>
             </a:extLst>
           </p:cNvPr>
@@ -1597,7 +1597,7 @@
           <p:cNvPr id="4" name="内容占位符 3">
             <a:extLst>
               <a:ext uri="{FF2B5EF4-FFF2-40B4-BE49-F238E27FC236}">
-                <a16:creationId xmlns:a16="http://schemas.microsoft.com/office/drawing/2014/main" id="{936D9245-AC81-72F2-5DA7-C80704B05694}"/>
+                <a16:creationId xmlns:a16="http://schemas.microsoft.com/office/drawing/2014/main" id="{6122CDD3-750A-4E28-D8C4-7A9103FB1190}"/>
               </a:ext>
             </a:extLst>
           </p:cNvPr>
@@ -1659,7 +1659,7 @@
           <p:cNvPr id="5" name="文本占位符 4">
             <a:extLst>
               <a:ext uri="{FF2B5EF4-FFF2-40B4-BE49-F238E27FC236}">
-                <a16:creationId xmlns:a16="http://schemas.microsoft.com/office/drawing/2014/main" id="{C9CB82E5-7ADE-A036-2C85-082250D9546C}"/>
+                <a16:creationId xmlns:a16="http://schemas.microsoft.com/office/drawing/2014/main" id="{6364175B-A343-5689-B5DE-0AE5A4D9F493}"/>
               </a:ext>
             </a:extLst>
           </p:cNvPr>
@@ -1730,7 +1730,7 @@
           <p:cNvPr id="6" name="内容占位符 5">
             <a:extLst>
               <a:ext uri="{FF2B5EF4-FFF2-40B4-BE49-F238E27FC236}">
-                <a16:creationId xmlns:a16="http://schemas.microsoft.com/office/drawing/2014/main" id="{2E1ECDFF-6543-2419-8ECF-D873CDB6ADB0}"/>
+                <a16:creationId xmlns:a16="http://schemas.microsoft.com/office/drawing/2014/main" id="{62980C5E-8B63-1995-B31E-95E8A48EC134}"/>
               </a:ext>
             </a:extLst>
           </p:cNvPr>
@@ -1792,7 +1792,7 @@
           <p:cNvPr id="7" name="日期占位符 6">
             <a:extLst>
               <a:ext uri="{FF2B5EF4-FFF2-40B4-BE49-F238E27FC236}">
-                <a16:creationId xmlns:a16="http://schemas.microsoft.com/office/drawing/2014/main" id="{32E260D6-EC9B-57A5-FA7E-BCAE2C0334C9}"/>
+                <a16:creationId xmlns:a16="http://schemas.microsoft.com/office/drawing/2014/main" id="{FA5AAAC6-5FE6-CFDA-A5A2-F2484DF5AF1B}"/>
               </a:ext>
             </a:extLst>
           </p:cNvPr>
@@ -1808,7 +1808,7 @@
           <a:bodyPr/>
           <a:lstStyle/>
           <a:p>
-            <a:fld id="{909A41F9-BC51-439F-93D5-02994B832429}" type="datetimeFigureOut">
+            <a:fld id="{1DFD92EB-FD8C-47C2-904C-83F95A383116}" type="datetimeFigureOut">
               <a:rPr lang="zh-CN" altLang="en-US" smtClean="0"/>
               <a:t>2024/3/10</a:t>
             </a:fld>
@@ -1821,7 +1821,7 @@
           <p:cNvPr id="8" name="页脚占位符 7">
             <a:extLst>
               <a:ext uri="{FF2B5EF4-FFF2-40B4-BE49-F238E27FC236}">
-                <a16:creationId xmlns:a16="http://schemas.microsoft.com/office/drawing/2014/main" id="{CF96862B-F5F1-1203-1684-3E7ED716BDDC}"/>
+                <a16:creationId xmlns:a16="http://schemas.microsoft.com/office/drawing/2014/main" id="{1A90CB24-077D-C850-8C12-D38AEB1172D3}"/>
               </a:ext>
             </a:extLst>
           </p:cNvPr>
@@ -1846,7 +1846,7 @@
           <p:cNvPr id="9" name="灯片编号占位符 8">
             <a:extLst>
               <a:ext uri="{FF2B5EF4-FFF2-40B4-BE49-F238E27FC236}">
-                <a16:creationId xmlns:a16="http://schemas.microsoft.com/office/drawing/2014/main" id="{5B2D875E-DB73-1C88-7D0C-A3F0FE3F769F}"/>
+                <a16:creationId xmlns:a16="http://schemas.microsoft.com/office/drawing/2014/main" id="{71686BC2-0DC3-236E-7554-2FFDCEFCCA09}"/>
               </a:ext>
             </a:extLst>
           </p:cNvPr>
@@ -1862,7 +1862,7 @@
           <a:bodyPr/>
           <a:lstStyle/>
           <a:p>
-            <a:fld id="{1A9D4EA9-4EA0-4C6D-992A-7BF50E03179C}" type="slidenum">
+            <a:fld id="{BBC81BDF-D107-46DF-BE08-E0510082D1A4}" type="slidenum">
               <a:rPr lang="zh-CN" altLang="en-US" smtClean="0"/>
               <a:t>‹#›</a:t>
             </a:fld>
@@ -1873,7 +1873,7 @@
     </p:spTree>
     <p:extLst>
       <p:ext uri="{BB962C8B-B14F-4D97-AF65-F5344CB8AC3E}">
-        <p14:creationId xmlns:p14="http://schemas.microsoft.com/office/powerpoint/2010/main" val="2587762093"/>
+        <p14:creationId xmlns:p14="http://schemas.microsoft.com/office/powerpoint/2010/main" val="1465508037"/>
       </p:ext>
     </p:extLst>
   </p:cSld>
@@ -1905,7 +1905,7 @@
           <p:cNvPr id="2" name="标题 1">
             <a:extLst>
               <a:ext uri="{FF2B5EF4-FFF2-40B4-BE49-F238E27FC236}">
-                <a16:creationId xmlns:a16="http://schemas.microsoft.com/office/drawing/2014/main" id="{B9B054C1-B7D5-18F4-18C4-ABBC0215B634}"/>
+                <a16:creationId xmlns:a16="http://schemas.microsoft.com/office/drawing/2014/main" id="{A1966E29-BD40-D75E-96E0-D8994946F4F9}"/>
               </a:ext>
             </a:extLst>
           </p:cNvPr>
@@ -1933,7 +1933,7 @@
           <p:cNvPr id="3" name="日期占位符 2">
             <a:extLst>
               <a:ext uri="{FF2B5EF4-FFF2-40B4-BE49-F238E27FC236}">
-                <a16:creationId xmlns:a16="http://schemas.microsoft.com/office/drawing/2014/main" id="{BD628DF1-0272-1ADC-CF35-65E64BD2E4CD}"/>
+                <a16:creationId xmlns:a16="http://schemas.microsoft.com/office/drawing/2014/main" id="{BD548758-F0CC-E210-8485-3F4ABCEE124D}"/>
               </a:ext>
             </a:extLst>
           </p:cNvPr>
@@ -1949,7 +1949,7 @@
           <a:bodyPr/>
           <a:lstStyle/>
           <a:p>
-            <a:fld id="{909A41F9-BC51-439F-93D5-02994B832429}" type="datetimeFigureOut">
+            <a:fld id="{1DFD92EB-FD8C-47C2-904C-83F95A383116}" type="datetimeFigureOut">
               <a:rPr lang="zh-CN" altLang="en-US" smtClean="0"/>
               <a:t>2024/3/10</a:t>
             </a:fld>
@@ -1962,7 +1962,7 @@
           <p:cNvPr id="4" name="页脚占位符 3">
             <a:extLst>
               <a:ext uri="{FF2B5EF4-FFF2-40B4-BE49-F238E27FC236}">
-                <a16:creationId xmlns:a16="http://schemas.microsoft.com/office/drawing/2014/main" id="{410498F1-CFE1-A67A-AFDA-E317D23DFC76}"/>
+                <a16:creationId xmlns:a16="http://schemas.microsoft.com/office/drawing/2014/main" id="{C55A55E5-AB2D-F277-D519-0073F9DA7354}"/>
               </a:ext>
             </a:extLst>
           </p:cNvPr>
@@ -1987,7 +1987,7 @@
           <p:cNvPr id="5" name="灯片编号占位符 4">
             <a:extLst>
               <a:ext uri="{FF2B5EF4-FFF2-40B4-BE49-F238E27FC236}">
-                <a16:creationId xmlns:a16="http://schemas.microsoft.com/office/drawing/2014/main" id="{15BC86EB-9F4E-807B-3421-8591C7741F9C}"/>
+                <a16:creationId xmlns:a16="http://schemas.microsoft.com/office/drawing/2014/main" id="{1D019851-F9F6-8C65-2553-CBC06B4BE981}"/>
               </a:ext>
             </a:extLst>
           </p:cNvPr>
@@ -2003,7 +2003,7 @@
           <a:bodyPr/>
           <a:lstStyle/>
           <a:p>
-            <a:fld id="{1A9D4EA9-4EA0-4C6D-992A-7BF50E03179C}" type="slidenum">
+            <a:fld id="{BBC81BDF-D107-46DF-BE08-E0510082D1A4}" type="slidenum">
               <a:rPr lang="zh-CN" altLang="en-US" smtClean="0"/>
               <a:t>‹#›</a:t>
             </a:fld>
@@ -2014,7 +2014,7 @@
     </p:spTree>
     <p:extLst>
       <p:ext uri="{BB962C8B-B14F-4D97-AF65-F5344CB8AC3E}">
-        <p14:creationId xmlns:p14="http://schemas.microsoft.com/office/powerpoint/2010/main" val="4240679904"/>
+        <p14:creationId xmlns:p14="http://schemas.microsoft.com/office/powerpoint/2010/main" val="1308894159"/>
       </p:ext>
     </p:extLst>
   </p:cSld>
@@ -2046,7 +2046,7 @@
           <p:cNvPr id="2" name="日期占位符 1">
             <a:extLst>
               <a:ext uri="{FF2B5EF4-FFF2-40B4-BE49-F238E27FC236}">
-                <a16:creationId xmlns:a16="http://schemas.microsoft.com/office/drawing/2014/main" id="{9DE716B5-6291-E6BB-7227-2309E436C405}"/>
+                <a16:creationId xmlns:a16="http://schemas.microsoft.com/office/drawing/2014/main" id="{9595735E-B27A-3701-5D31-950F041C56AC}"/>
               </a:ext>
             </a:extLst>
           </p:cNvPr>
@@ -2062,7 +2062,7 @@
           <a:bodyPr/>
           <a:lstStyle/>
           <a:p>
-            <a:fld id="{909A41F9-BC51-439F-93D5-02994B832429}" type="datetimeFigureOut">
+            <a:fld id="{1DFD92EB-FD8C-47C2-904C-83F95A383116}" type="datetimeFigureOut">
               <a:rPr lang="zh-CN" altLang="en-US" smtClean="0"/>
               <a:t>2024/3/10</a:t>
             </a:fld>
@@ -2075,7 +2075,7 @@
           <p:cNvPr id="3" name="页脚占位符 2">
             <a:extLst>
               <a:ext uri="{FF2B5EF4-FFF2-40B4-BE49-F238E27FC236}">
-                <a16:creationId xmlns:a16="http://schemas.microsoft.com/office/drawing/2014/main" id="{46BB96F1-52B5-E7DD-6340-9FABAE835EFD}"/>
+                <a16:creationId xmlns:a16="http://schemas.microsoft.com/office/drawing/2014/main" id="{A8ACC3E9-3D5D-3DD8-419D-AD7A0A9F0857}"/>
               </a:ext>
             </a:extLst>
           </p:cNvPr>
@@ -2100,7 +2100,7 @@
           <p:cNvPr id="4" name="灯片编号占位符 3">
             <a:extLst>
               <a:ext uri="{FF2B5EF4-FFF2-40B4-BE49-F238E27FC236}">
-                <a16:creationId xmlns:a16="http://schemas.microsoft.com/office/drawing/2014/main" id="{AF82337E-A709-93E7-E19B-3C9668F0E72C}"/>
+                <a16:creationId xmlns:a16="http://schemas.microsoft.com/office/drawing/2014/main" id="{6E1DBD8B-6E44-151E-8E0C-A96AECC7FB7C}"/>
               </a:ext>
             </a:extLst>
           </p:cNvPr>
@@ -2116,7 +2116,7 @@
           <a:bodyPr/>
           <a:lstStyle/>
           <a:p>
-            <a:fld id="{1A9D4EA9-4EA0-4C6D-992A-7BF50E03179C}" type="slidenum">
+            <a:fld id="{BBC81BDF-D107-46DF-BE08-E0510082D1A4}" type="slidenum">
               <a:rPr lang="zh-CN" altLang="en-US" smtClean="0"/>
               <a:t>‹#›</a:t>
             </a:fld>
@@ -2127,7 +2127,7 @@
     </p:spTree>
     <p:extLst>
       <p:ext uri="{BB962C8B-B14F-4D97-AF65-F5344CB8AC3E}">
-        <p14:creationId xmlns:p14="http://schemas.microsoft.com/office/powerpoint/2010/main" val="1861661533"/>
+        <p14:creationId xmlns:p14="http://schemas.microsoft.com/office/powerpoint/2010/main" val="149481317"/>
       </p:ext>
     </p:extLst>
   </p:cSld>
@@ -2159,7 +2159,7 @@
           <p:cNvPr id="2" name="标题 1">
             <a:extLst>
               <a:ext uri="{FF2B5EF4-FFF2-40B4-BE49-F238E27FC236}">
-                <a16:creationId xmlns:a16="http://schemas.microsoft.com/office/drawing/2014/main" id="{5AC3B2D1-3F58-8001-9707-21A625F4F702}"/>
+                <a16:creationId xmlns:a16="http://schemas.microsoft.com/office/drawing/2014/main" id="{48BE7444-9120-6CBE-F36C-F81C27515664}"/>
               </a:ext>
             </a:extLst>
           </p:cNvPr>
@@ -2196,7 +2196,7 @@
           <p:cNvPr id="3" name="内容占位符 2">
             <a:extLst>
               <a:ext uri="{FF2B5EF4-FFF2-40B4-BE49-F238E27FC236}">
-                <a16:creationId xmlns:a16="http://schemas.microsoft.com/office/drawing/2014/main" id="{DBC97FEF-9623-0928-91CB-4C9F72120F3A}"/>
+                <a16:creationId xmlns:a16="http://schemas.microsoft.com/office/drawing/2014/main" id="{304186ED-ED2D-0CC1-F5BF-7375A6C34539}"/>
               </a:ext>
             </a:extLst>
           </p:cNvPr>
@@ -2286,7 +2286,7 @@
           <p:cNvPr id="4" name="文本占位符 3">
             <a:extLst>
               <a:ext uri="{FF2B5EF4-FFF2-40B4-BE49-F238E27FC236}">
-                <a16:creationId xmlns:a16="http://schemas.microsoft.com/office/drawing/2014/main" id="{3EE06E4C-3C12-1229-26F4-9021A3DD73B3}"/>
+                <a16:creationId xmlns:a16="http://schemas.microsoft.com/office/drawing/2014/main" id="{21C58E46-CD13-E57D-4768-3021876E041F}"/>
               </a:ext>
             </a:extLst>
           </p:cNvPr>
@@ -2357,7 +2357,7 @@
           <p:cNvPr id="5" name="日期占位符 4">
             <a:extLst>
               <a:ext uri="{FF2B5EF4-FFF2-40B4-BE49-F238E27FC236}">
-                <a16:creationId xmlns:a16="http://schemas.microsoft.com/office/drawing/2014/main" id="{529782EA-67F6-FF4B-F391-BFD62D1D6978}"/>
+                <a16:creationId xmlns:a16="http://schemas.microsoft.com/office/drawing/2014/main" id="{F7F6B6A6-E105-00D2-2D6B-EF8DAF3BEE96}"/>
               </a:ext>
             </a:extLst>
           </p:cNvPr>
@@ -2373,7 +2373,7 @@
           <a:bodyPr/>
           <a:lstStyle/>
           <a:p>
-            <a:fld id="{909A41F9-BC51-439F-93D5-02994B832429}" type="datetimeFigureOut">
+            <a:fld id="{1DFD92EB-FD8C-47C2-904C-83F95A383116}" type="datetimeFigureOut">
               <a:rPr lang="zh-CN" altLang="en-US" smtClean="0"/>
               <a:t>2024/3/10</a:t>
             </a:fld>
@@ -2386,7 +2386,7 @@
           <p:cNvPr id="6" name="页脚占位符 5">
             <a:extLst>
               <a:ext uri="{FF2B5EF4-FFF2-40B4-BE49-F238E27FC236}">
-                <a16:creationId xmlns:a16="http://schemas.microsoft.com/office/drawing/2014/main" id="{67FC8075-2CD8-437B-E91B-63D7964683AB}"/>
+                <a16:creationId xmlns:a16="http://schemas.microsoft.com/office/drawing/2014/main" id="{9C50F583-556C-4843-5F48-601BD78733C7}"/>
               </a:ext>
             </a:extLst>
           </p:cNvPr>
@@ -2411,7 +2411,7 @@
           <p:cNvPr id="7" name="灯片编号占位符 6">
             <a:extLst>
               <a:ext uri="{FF2B5EF4-FFF2-40B4-BE49-F238E27FC236}">
-                <a16:creationId xmlns:a16="http://schemas.microsoft.com/office/drawing/2014/main" id="{A2CA4040-2419-E973-C5CD-20B527B1E9A1}"/>
+                <a16:creationId xmlns:a16="http://schemas.microsoft.com/office/drawing/2014/main" id="{17C8F662-CE77-91A5-9DE1-33CC40117E1D}"/>
               </a:ext>
             </a:extLst>
           </p:cNvPr>
@@ -2427,7 +2427,7 @@
           <a:bodyPr/>
           <a:lstStyle/>
           <a:p>
-            <a:fld id="{1A9D4EA9-4EA0-4C6D-992A-7BF50E03179C}" type="slidenum">
+            <a:fld id="{BBC81BDF-D107-46DF-BE08-E0510082D1A4}" type="slidenum">
               <a:rPr lang="zh-CN" altLang="en-US" smtClean="0"/>
               <a:t>‹#›</a:t>
             </a:fld>
@@ -2438,7 +2438,7 @@
     </p:spTree>
     <p:extLst>
       <p:ext uri="{BB962C8B-B14F-4D97-AF65-F5344CB8AC3E}">
-        <p14:creationId xmlns:p14="http://schemas.microsoft.com/office/powerpoint/2010/main" val="3479570313"/>
+        <p14:creationId xmlns:p14="http://schemas.microsoft.com/office/powerpoint/2010/main" val="2091763543"/>
       </p:ext>
     </p:extLst>
   </p:cSld>
@@ -2470,7 +2470,7 @@
           <p:cNvPr id="2" name="标题 1">
             <a:extLst>
               <a:ext uri="{FF2B5EF4-FFF2-40B4-BE49-F238E27FC236}">
-                <a16:creationId xmlns:a16="http://schemas.microsoft.com/office/drawing/2014/main" id="{4B9559C3-3383-1C17-8464-0C91A05A90C4}"/>
+                <a16:creationId xmlns:a16="http://schemas.microsoft.com/office/drawing/2014/main" id="{1BE6D7A7-E5A2-AD36-D23E-3646DFEB545B}"/>
               </a:ext>
             </a:extLst>
           </p:cNvPr>
@@ -2507,7 +2507,7 @@
           <p:cNvPr id="3" name="图片占位符 2">
             <a:extLst>
               <a:ext uri="{FF2B5EF4-FFF2-40B4-BE49-F238E27FC236}">
-                <a16:creationId xmlns:a16="http://schemas.microsoft.com/office/drawing/2014/main" id="{01FE7229-E614-BB8D-4D34-5641125986EB}"/>
+                <a16:creationId xmlns:a16="http://schemas.microsoft.com/office/drawing/2014/main" id="{EE51618D-45C7-D4AA-44BB-B4D528974BF3}"/>
               </a:ext>
             </a:extLst>
           </p:cNvPr>
@@ -2574,7 +2574,7 @@
           <p:cNvPr id="4" name="文本占位符 3">
             <a:extLst>
               <a:ext uri="{FF2B5EF4-FFF2-40B4-BE49-F238E27FC236}">
-                <a16:creationId xmlns:a16="http://schemas.microsoft.com/office/drawing/2014/main" id="{E01D68F9-6ADA-18D2-279F-A6E0677A59A4}"/>
+                <a16:creationId xmlns:a16="http://schemas.microsoft.com/office/drawing/2014/main" id="{98D39598-DCDE-4E6A-CA40-7E6740A8243E}"/>
               </a:ext>
             </a:extLst>
           </p:cNvPr>
@@ -2645,7 +2645,7 @@
           <p:cNvPr id="5" name="日期占位符 4">
             <a:extLst>
               <a:ext uri="{FF2B5EF4-FFF2-40B4-BE49-F238E27FC236}">
-                <a16:creationId xmlns:a16="http://schemas.microsoft.com/office/drawing/2014/main" id="{43A152BC-B8B8-D7FB-A500-A1A33C326633}"/>
+                <a16:creationId xmlns:a16="http://schemas.microsoft.com/office/drawing/2014/main" id="{8FAB461D-3C10-E68D-70CC-B949F8D23743}"/>
               </a:ext>
             </a:extLst>
           </p:cNvPr>
@@ -2661,7 +2661,7 @@
           <a:bodyPr/>
           <a:lstStyle/>
           <a:p>
-            <a:fld id="{909A41F9-BC51-439F-93D5-02994B832429}" type="datetimeFigureOut">
+            <a:fld id="{1DFD92EB-FD8C-47C2-904C-83F95A383116}" type="datetimeFigureOut">
               <a:rPr lang="zh-CN" altLang="en-US" smtClean="0"/>
               <a:t>2024/3/10</a:t>
             </a:fld>
@@ -2674,7 +2674,7 @@
           <p:cNvPr id="6" name="页脚占位符 5">
             <a:extLst>
               <a:ext uri="{FF2B5EF4-FFF2-40B4-BE49-F238E27FC236}">
-                <a16:creationId xmlns:a16="http://schemas.microsoft.com/office/drawing/2014/main" id="{44C91B88-3E9B-C248-A7F5-BEC6CCA0B748}"/>
+                <a16:creationId xmlns:a16="http://schemas.microsoft.com/office/drawing/2014/main" id="{2EA03F82-532E-07EA-84FE-71D87339AD5A}"/>
               </a:ext>
             </a:extLst>
           </p:cNvPr>
@@ -2699,7 +2699,7 @@
           <p:cNvPr id="7" name="灯片编号占位符 6">
             <a:extLst>
               <a:ext uri="{FF2B5EF4-FFF2-40B4-BE49-F238E27FC236}">
-                <a16:creationId xmlns:a16="http://schemas.microsoft.com/office/drawing/2014/main" id="{C0E6682E-8745-7D7F-6EFF-78BB4BD5F5EA}"/>
+                <a16:creationId xmlns:a16="http://schemas.microsoft.com/office/drawing/2014/main" id="{0E4A0B4C-BA53-9791-83E2-6D9709117D73}"/>
               </a:ext>
             </a:extLst>
           </p:cNvPr>
@@ -2715,7 +2715,7 @@
           <a:bodyPr/>
           <a:lstStyle/>
           <a:p>
-            <a:fld id="{1A9D4EA9-4EA0-4C6D-992A-7BF50E03179C}" type="slidenum">
+            <a:fld id="{BBC81BDF-D107-46DF-BE08-E0510082D1A4}" type="slidenum">
               <a:rPr lang="zh-CN" altLang="en-US" smtClean="0"/>
               <a:t>‹#›</a:t>
             </a:fld>
@@ -2726,7 +2726,7 @@
     </p:spTree>
     <p:extLst>
       <p:ext uri="{BB962C8B-B14F-4D97-AF65-F5344CB8AC3E}">
-        <p14:creationId xmlns:p14="http://schemas.microsoft.com/office/powerpoint/2010/main" val="4095468922"/>
+        <p14:creationId xmlns:p14="http://schemas.microsoft.com/office/powerpoint/2010/main" val="340717717"/>
       </p:ext>
     </p:extLst>
   </p:cSld>
@@ -2763,7 +2763,7 @@
           <p:cNvPr id="2" name="标题占位符 1">
             <a:extLst>
               <a:ext uri="{FF2B5EF4-FFF2-40B4-BE49-F238E27FC236}">
-                <a16:creationId xmlns:a16="http://schemas.microsoft.com/office/drawing/2014/main" id="{A0BD12B6-C660-FF6A-6AAE-F0DC7B9C141A}"/>
+                <a16:creationId xmlns:a16="http://schemas.microsoft.com/office/drawing/2014/main" id="{49661ED4-A0F7-F2E3-F6D6-E939A9B8A9D2}"/>
               </a:ext>
             </a:extLst>
           </p:cNvPr>
@@ -2801,7 +2801,7 @@
           <p:cNvPr id="3" name="文本占位符 2">
             <a:extLst>
               <a:ext uri="{FF2B5EF4-FFF2-40B4-BE49-F238E27FC236}">
-                <a16:creationId xmlns:a16="http://schemas.microsoft.com/office/drawing/2014/main" id="{6C562703-B97F-5A79-4C35-F486041F1E0B}"/>
+                <a16:creationId xmlns:a16="http://schemas.microsoft.com/office/drawing/2014/main" id="{709D6C24-FCE3-0EAD-34B9-7DA6872ECC18}"/>
               </a:ext>
             </a:extLst>
           </p:cNvPr>
@@ -2868,7 +2868,7 @@
           <p:cNvPr id="4" name="日期占位符 3">
             <a:extLst>
               <a:ext uri="{FF2B5EF4-FFF2-40B4-BE49-F238E27FC236}">
-                <a16:creationId xmlns:a16="http://schemas.microsoft.com/office/drawing/2014/main" id="{2BC34B3B-F0F0-F070-9FFE-8250C9763124}"/>
+                <a16:creationId xmlns:a16="http://schemas.microsoft.com/office/drawing/2014/main" id="{DFF40F46-6A70-EF1D-C558-B5BD168DCCB7}"/>
               </a:ext>
             </a:extLst>
           </p:cNvPr>
@@ -2902,7 +2902,7 @@
             </a:lvl1pPr>
           </a:lstStyle>
           <a:p>
-            <a:fld id="{909A41F9-BC51-439F-93D5-02994B832429}" type="datetimeFigureOut">
+            <a:fld id="{1DFD92EB-FD8C-47C2-904C-83F95A383116}" type="datetimeFigureOut">
               <a:rPr lang="zh-CN" altLang="en-US" smtClean="0"/>
               <a:t>2024/3/10</a:t>
             </a:fld>
@@ -2915,7 +2915,7 @@
           <p:cNvPr id="5" name="页脚占位符 4">
             <a:extLst>
               <a:ext uri="{FF2B5EF4-FFF2-40B4-BE49-F238E27FC236}">
-                <a16:creationId xmlns:a16="http://schemas.microsoft.com/office/drawing/2014/main" id="{3CD220EF-5F5D-650E-17C1-4FAC3674E219}"/>
+                <a16:creationId xmlns:a16="http://schemas.microsoft.com/office/drawing/2014/main" id="{D48F6CE0-8181-A2A7-64E6-995511A5FFA3}"/>
               </a:ext>
             </a:extLst>
           </p:cNvPr>
@@ -2958,7 +2958,7 @@
           <p:cNvPr id="6" name="灯片编号占位符 5">
             <a:extLst>
               <a:ext uri="{FF2B5EF4-FFF2-40B4-BE49-F238E27FC236}">
-                <a16:creationId xmlns:a16="http://schemas.microsoft.com/office/drawing/2014/main" id="{56B0E843-9E0A-F824-E191-94FEC23F555D}"/>
+                <a16:creationId xmlns:a16="http://schemas.microsoft.com/office/drawing/2014/main" id="{28510929-A80A-E16C-626E-C848DE4CF643}"/>
               </a:ext>
             </a:extLst>
           </p:cNvPr>
@@ -2992,7 +2992,7 @@
             </a:lvl1pPr>
           </a:lstStyle>
           <a:p>
-            <a:fld id="{1A9D4EA9-4EA0-4C6D-992A-7BF50E03179C}" type="slidenum">
+            <a:fld id="{BBC81BDF-D107-46DF-BE08-E0510082D1A4}" type="slidenum">
               <a:rPr lang="zh-CN" altLang="en-US" smtClean="0"/>
               <a:t>‹#›</a:t>
             </a:fld>
@@ -3003,7 +3003,7 @@
     </p:spTree>
     <p:extLst>
       <p:ext uri="{BB962C8B-B14F-4D97-AF65-F5344CB8AC3E}">
-        <p14:creationId xmlns:p14="http://schemas.microsoft.com/office/powerpoint/2010/main" val="3419885046"/>
+        <p14:creationId xmlns:p14="http://schemas.microsoft.com/office/powerpoint/2010/main" val="4059163723"/>
       </p:ext>
     </p:extLst>
   </p:cSld>
@@ -3323,7 +3323,7 @@
       </p:grpSpPr>
       <p:pic>
         <p:nvPicPr>
-          <p:cNvPr id="342018" name="Picture 2" descr="333"/>
+          <p:cNvPr id="343042" name="Picture 2" descr="334"/>
           <p:cNvPicPr>
             <a:picLocks noChangeAspect="1" noChangeArrowheads="1"/>
           </p:cNvPicPr>
